--- a/01_Tecnicas_de_Programacion/Clase_04/Clase_04.pptx
+++ b/01_Tecnicas_de_Programacion/Clase_04/Clase_04.pptx
@@ -5,14 +5,13 @@
     <p:sldMasterId id="2147483826" r:id="rId1"/>
   </p:sldMasterIdLst>
   <p:notesMasterIdLst>
-    <p:notesMasterId r:id="rId7"/>
+    <p:notesMasterId r:id="rId6"/>
   </p:notesMasterIdLst>
   <p:sldIdLst>
     <p:sldId id="258" r:id="rId2"/>
     <p:sldId id="265" r:id="rId3"/>
     <p:sldId id="266" r:id="rId4"/>
     <p:sldId id="267" r:id="rId5"/>
-    <p:sldId id="268" r:id="rId6"/>
   </p:sldIdLst>
   <p:sldSz cx="12192000" cy="6858000"/>
   <p:notesSz cx="6858000" cy="9144000"/>
@@ -13752,131 +13751,12 @@
           </a:p>
         </p:txBody>
       </p:sp>
-    </p:spTree>
-    <p:extLst>
-      <p:ext uri="{BB962C8B-B14F-4D97-AF65-F5344CB8AC3E}">
-        <p14:creationId xmlns:p14="http://schemas.microsoft.com/office/powerpoint/2010/main" val="1767884077"/>
-      </p:ext>
-    </p:extLst>
-  </p:cSld>
-  <p:clrMapOvr>
-    <a:masterClrMapping/>
-  </p:clrMapOvr>
-</p:sld>
-</file>
-
-<file path=ppt/slides/slide5.xml><?xml version="1.0" encoding="utf-8"?>
-<p:sld xmlns:a="http://schemas.openxmlformats.org/drawingml/2006/main" xmlns:r="http://schemas.openxmlformats.org/officeDocument/2006/relationships" xmlns:p="http://schemas.openxmlformats.org/presentationml/2006/main">
-  <p:cSld>
-    <p:spTree>
-      <p:nvGrpSpPr>
-        <p:cNvPr id="1" name=""/>
-        <p:cNvGrpSpPr/>
-        <p:nvPr/>
-      </p:nvGrpSpPr>
-      <p:grpSpPr>
-        <a:xfrm>
-          <a:off x="0" y="0"/>
-          <a:ext cx="0" cy="0"/>
-          <a:chOff x="0" y="0"/>
-          <a:chExt cx="0" cy="0"/>
-        </a:xfrm>
-      </p:grpSpPr>
       <p:sp>
         <p:nvSpPr>
-          <p:cNvPr id="5" name="Marcador de número de diapositiva 4">
+          <p:cNvPr id="6" name="TextBox 5">
             <a:extLst>
               <a:ext uri="{FF2B5EF4-FFF2-40B4-BE49-F238E27FC236}">
-                <a16:creationId xmlns:a16="http://schemas.microsoft.com/office/drawing/2014/main" id="{44E3CE2F-4732-485E-A4C0-76E8778A17B0}"/>
-              </a:ext>
-            </a:extLst>
-          </p:cNvPr>
-          <p:cNvSpPr>
-            <a:spLocks noGrp="1"/>
-          </p:cNvSpPr>
-          <p:nvPr>
-            <p:ph type="sldNum" sz="quarter" idx="12"/>
-          </p:nvPr>
-        </p:nvSpPr>
-        <p:spPr/>
-        <p:txBody>
-          <a:bodyPr/>
-          <a:lstStyle/>
-          <a:p>
-            <a:fld id="{2C43FE11-BAD3-41A4-A69F-188AE344B11E}" type="slidenum">
-              <a:rPr lang="es-AR" smtClean="0"/>
-              <a:t>5</a:t>
-            </a:fld>
-            <a:endParaRPr lang="es-AR" dirty="0"/>
-          </a:p>
-        </p:txBody>
-      </p:sp>
-      <p:pic>
-        <p:nvPicPr>
-          <p:cNvPr id="7" name="Picture 2">
-            <a:extLst>
-              <a:ext uri="{FF2B5EF4-FFF2-40B4-BE49-F238E27FC236}">
-                <a16:creationId xmlns:a16="http://schemas.microsoft.com/office/drawing/2014/main" id="{CBD451EB-B0D6-4D21-9784-852362399E58}"/>
-              </a:ext>
-            </a:extLst>
-          </p:cNvPr>
-          <p:cNvPicPr>
-            <a:picLocks noChangeAspect="1" noChangeArrowheads="1"/>
-          </p:cNvPicPr>
-          <p:nvPr/>
-        </p:nvPicPr>
-        <p:blipFill>
-          <a:blip r:embed="rId2" cstate="print">
-            <a:extLst>
-              <a:ext uri="{28A0092B-C50C-407E-A947-70E740481C1C}">
-                <a14:useLocalDpi xmlns:a14="http://schemas.microsoft.com/office/drawing/2010/main" val="0"/>
-              </a:ext>
-            </a:extLst>
-          </a:blip>
-          <a:srcRect/>
-          <a:stretch>
-            <a:fillRect/>
-          </a:stretch>
-        </p:blipFill>
-        <p:spPr bwMode="auto">
-          <a:xfrm>
-            <a:off x="177554" y="126394"/>
-            <a:ext cx="11620870" cy="483207"/>
-          </a:xfrm>
-          <a:prstGeom prst="rect">
-            <a:avLst/>
-          </a:prstGeom>
-          <a:noFill/>
-          <a:ln>
-            <a:noFill/>
-          </a:ln>
-          <a:extLst>
-            <a:ext uri="{909E8E84-426E-40DD-AFC4-6F175D3DCCD1}">
-              <a14:hiddenFill xmlns:a14="http://schemas.microsoft.com/office/drawing/2010/main">
-                <a:solidFill>
-                  <a:srgbClr val="FFFFFF"/>
-                </a:solidFill>
-              </a14:hiddenFill>
-            </a:ext>
-            <a:ext uri="{91240B29-F687-4F45-9708-019B960494DF}">
-              <a14:hiddenLine xmlns:a14="http://schemas.microsoft.com/office/drawing/2010/main" w="9525">
-                <a:solidFill>
-                  <a:srgbClr val="000000"/>
-                </a:solidFill>
-                <a:miter lim="800000"/>
-                <a:headEnd/>
-                <a:tailEnd/>
-              </a14:hiddenLine>
-            </a:ext>
-          </a:extLst>
-        </p:spPr>
-      </p:pic>
-      <p:sp>
-        <p:nvSpPr>
-          <p:cNvPr id="2" name="Google Shape;265;p50">
-            <a:extLst>
-              <a:ext uri="{FF2B5EF4-FFF2-40B4-BE49-F238E27FC236}">
-                <a16:creationId xmlns:a16="http://schemas.microsoft.com/office/drawing/2014/main" id="{7B371313-D1E6-4F54-B0B9-911DE44DA3EC}"/>
+                <a16:creationId xmlns:a16="http://schemas.microsoft.com/office/drawing/2014/main" id="{7B9F511B-1BA9-9A82-CB49-7E04BFF5788C}"/>
               </a:ext>
             </a:extLst>
           </p:cNvPr>
@@ -13885,60 +13765,32 @@
         </p:nvSpPr>
         <p:spPr>
           <a:xfrm>
-            <a:off x="2523174" y="69836"/>
-            <a:ext cx="6348000" cy="742187"/>
+            <a:off x="1033152" y="1175657"/>
+            <a:ext cx="8814849" cy="1754326"/>
           </a:xfrm>
           <a:prstGeom prst="rect">
             <a:avLst/>
           </a:prstGeom>
           <a:noFill/>
-          <a:ln>
-            <a:noFill/>
-          </a:ln>
         </p:spPr>
         <p:txBody>
-          <a:bodyPr spcFirstLastPara="1" wrap="square" lIns="91425" tIns="91425" rIns="91425" bIns="91425" anchor="ctr" anchorCtr="0">
-            <a:noAutofit/>
+          <a:bodyPr wrap="square" rtlCol="0">
+            <a:spAutoFit/>
           </a:bodyPr>
           <a:lstStyle/>
           <a:p>
-            <a:pPr marL="0" marR="0" lvl="0" indent="0" algn="ctr" rtl="0">
-              <a:lnSpc>
-                <a:spcPct val="100000"/>
-              </a:lnSpc>
-              <a:spcBef>
-                <a:spcPts val="0"/>
-              </a:spcBef>
-              <a:spcAft>
-                <a:spcPts val="0"/>
-              </a:spcAft>
-              <a:buClr>
-                <a:srgbClr val="000000"/>
-              </a:buClr>
-              <a:buSzPts val="3600"/>
-              <a:buFont typeface="Arial"/>
-              <a:buNone/>
-            </a:pPr>
             <a:r>
-              <a:rPr lang="en-GB" sz="3600" b="0" i="1" u="sng" strike="noStrike" cap="none" dirty="0">
+              <a:rPr lang="es-ES" sz="3600" dirty="0">
                 <a:solidFill>
-                  <a:srgbClr val="121212"/>
+                  <a:schemeClr val="bg1"/>
                 </a:solidFill>
-                <a:latin typeface="Anton"/>
-                <a:ea typeface="Anton"/>
-                <a:cs typeface="Anton"/>
-                <a:sym typeface="Anton"/>
               </a:rPr>
-              <a:t>EJERCICIO 4</a:t>
+              <a:t>Un comercio de nuestro barrio nos pide que hagamos un programa que pueda calcular el precio total de un producto con el IVA incluido.</a:t>
             </a:r>
-            <a:endParaRPr sz="3600" b="0" i="1" u="sng" strike="noStrike" cap="none" dirty="0">
+            <a:endParaRPr lang="es-AR" sz="3600" dirty="0">
               <a:solidFill>
-                <a:srgbClr val="121212"/>
+                <a:schemeClr val="bg1"/>
               </a:solidFill>
-              <a:latin typeface="Anton"/>
-              <a:ea typeface="Anton"/>
-              <a:cs typeface="Anton"/>
-              <a:sym typeface="Anton"/>
             </a:endParaRPr>
           </a:p>
         </p:txBody>
@@ -13946,7 +13798,7 @@
     </p:spTree>
     <p:extLst>
       <p:ext uri="{BB962C8B-B14F-4D97-AF65-F5344CB8AC3E}">
-        <p14:creationId xmlns:p14="http://schemas.microsoft.com/office/powerpoint/2010/main" val="2471654755"/>
+        <p14:creationId xmlns:p14="http://schemas.microsoft.com/office/powerpoint/2010/main" val="1767884077"/>
       </p:ext>
     </p:extLst>
   </p:cSld>
